--- a/Presentations/8_Cross_Platform_Apps.pptx
+++ b/Presentations/8_Cross_Platform_Apps.pptx
@@ -311,7 +311,7 @@
           <a:p>
             <a:fld id="{09EA6EF8-95E2-427D-AA46-061CB18E022C}" type="datetimeFigureOut">
               <a:rPr lang="da-DK" smtClean="0"/>
-              <a:t>16-08-2020</a:t>
+              <a:t>17-08-2020</a:t>
             </a:fld>
             <a:endParaRPr lang="da-DK"/>
           </a:p>
@@ -511,7 +511,7 @@
           <a:p>
             <a:fld id="{09EA6EF8-95E2-427D-AA46-061CB18E022C}" type="datetimeFigureOut">
               <a:rPr lang="da-DK" smtClean="0"/>
-              <a:t>16-08-2020</a:t>
+              <a:t>17-08-2020</a:t>
             </a:fld>
             <a:endParaRPr lang="da-DK"/>
           </a:p>
@@ -721,7 +721,7 @@
           <a:p>
             <a:fld id="{09EA6EF8-95E2-427D-AA46-061CB18E022C}" type="datetimeFigureOut">
               <a:rPr lang="da-DK" smtClean="0"/>
-              <a:t>16-08-2020</a:t>
+              <a:t>17-08-2020</a:t>
             </a:fld>
             <a:endParaRPr lang="da-DK"/>
           </a:p>
@@ -921,7 +921,7 @@
           <a:p>
             <a:fld id="{09EA6EF8-95E2-427D-AA46-061CB18E022C}" type="datetimeFigureOut">
               <a:rPr lang="da-DK" smtClean="0"/>
-              <a:t>16-08-2020</a:t>
+              <a:t>17-08-2020</a:t>
             </a:fld>
             <a:endParaRPr lang="da-DK"/>
           </a:p>
@@ -1197,7 +1197,7 @@
           <a:p>
             <a:fld id="{09EA6EF8-95E2-427D-AA46-061CB18E022C}" type="datetimeFigureOut">
               <a:rPr lang="da-DK" smtClean="0"/>
-              <a:t>16-08-2020</a:t>
+              <a:t>17-08-2020</a:t>
             </a:fld>
             <a:endParaRPr lang="da-DK"/>
           </a:p>
@@ -1465,7 +1465,7 @@
           <a:p>
             <a:fld id="{09EA6EF8-95E2-427D-AA46-061CB18E022C}" type="datetimeFigureOut">
               <a:rPr lang="da-DK" smtClean="0"/>
-              <a:t>16-08-2020</a:t>
+              <a:t>17-08-2020</a:t>
             </a:fld>
             <a:endParaRPr lang="da-DK"/>
           </a:p>
@@ -1880,7 +1880,7 @@
           <a:p>
             <a:fld id="{09EA6EF8-95E2-427D-AA46-061CB18E022C}" type="datetimeFigureOut">
               <a:rPr lang="da-DK" smtClean="0"/>
-              <a:t>16-08-2020</a:t>
+              <a:t>17-08-2020</a:t>
             </a:fld>
             <a:endParaRPr lang="da-DK"/>
           </a:p>
@@ -2022,7 +2022,7 @@
           <a:p>
             <a:fld id="{09EA6EF8-95E2-427D-AA46-061CB18E022C}" type="datetimeFigureOut">
               <a:rPr lang="da-DK" smtClean="0"/>
-              <a:t>16-08-2020</a:t>
+              <a:t>17-08-2020</a:t>
             </a:fld>
             <a:endParaRPr lang="da-DK"/>
           </a:p>
@@ -2135,7 +2135,7 @@
           <a:p>
             <a:fld id="{09EA6EF8-95E2-427D-AA46-061CB18E022C}" type="datetimeFigureOut">
               <a:rPr lang="da-DK" smtClean="0"/>
-              <a:t>16-08-2020</a:t>
+              <a:t>17-08-2020</a:t>
             </a:fld>
             <a:endParaRPr lang="da-DK"/>
           </a:p>
@@ -2448,7 +2448,7 @@
           <a:p>
             <a:fld id="{09EA6EF8-95E2-427D-AA46-061CB18E022C}" type="datetimeFigureOut">
               <a:rPr lang="da-DK" smtClean="0"/>
-              <a:t>16-08-2020</a:t>
+              <a:t>17-08-2020</a:t>
             </a:fld>
             <a:endParaRPr lang="da-DK"/>
           </a:p>
@@ -2737,7 +2737,7 @@
           <a:p>
             <a:fld id="{09EA6EF8-95E2-427D-AA46-061CB18E022C}" type="datetimeFigureOut">
               <a:rPr lang="da-DK" smtClean="0"/>
-              <a:t>16-08-2020</a:t>
+              <a:t>17-08-2020</a:t>
             </a:fld>
             <a:endParaRPr lang="da-DK"/>
           </a:p>
@@ -2980,7 +2980,7 @@
           <a:p>
             <a:fld id="{09EA6EF8-95E2-427D-AA46-061CB18E022C}" type="datetimeFigureOut">
               <a:rPr lang="da-DK" smtClean="0"/>
-              <a:t>16-08-2020</a:t>
+              <a:t>17-08-2020</a:t>
             </a:fld>
             <a:endParaRPr lang="da-DK"/>
           </a:p>
@@ -3459,8 +3459,8 @@
         </p:nvSpPr>
         <p:spPr>
           <a:xfrm>
-            <a:off x="1524000" y="3947050"/>
-            <a:ext cx="9144000" cy="572583"/>
+            <a:off x="1524000" y="3810526"/>
+            <a:ext cx="9144000" cy="709108"/>
           </a:xfrm>
         </p:spPr>
         <p:txBody>
@@ -3471,8 +3471,40 @@
           <a:p>
             <a:pPr algn="l"/>
             <a:r>
-              <a:rPr lang="da-DK" sz="1100"/>
-              <a:t>Giv et overblik over de forskellige muligheder for cross platform udvikling for Android og iOS enheder. Redegør for Xamarins arkitektur og virkemåde for de forskellige understøttede platforme.Samt redegør for både fordele og udfordringer ved brug af Xamarin til App udvikling. Vis et eksempel på brug af Xamarin.</a:t>
+              <a:rPr lang="da-DK" sz="1400" dirty="0"/>
+              <a:t>Giv et overblik over de forskellige muligheder for cross platform udvikling for Android og iOS enheder. Redegør for </a:t>
+            </a:r>
+            <a:r>
+              <a:rPr lang="da-DK" sz="1400" dirty="0" err="1"/>
+              <a:t>Xamarins</a:t>
+            </a:r>
+            <a:r>
+              <a:rPr lang="da-DK" sz="1400" dirty="0"/>
+              <a:t> arkitektur og virkemåde for de forskellige understøttede </a:t>
+            </a:r>
+            <a:r>
+              <a:rPr lang="da-DK" sz="1400" dirty="0" err="1"/>
+              <a:t>platforme.Samt</a:t>
+            </a:r>
+            <a:r>
+              <a:rPr lang="da-DK" sz="1400" dirty="0"/>
+              <a:t> redegør for både fordele og udfordringer ved brug af </a:t>
+            </a:r>
+            <a:r>
+              <a:rPr lang="da-DK" sz="1400" dirty="0" err="1"/>
+              <a:t>Xamarin</a:t>
+            </a:r>
+            <a:r>
+              <a:rPr lang="da-DK" sz="1400" dirty="0"/>
+              <a:t> til App udvikling. Vis et eksempel på brug af </a:t>
+            </a:r>
+            <a:r>
+              <a:rPr lang="da-DK" sz="1400" dirty="0" err="1"/>
+              <a:t>Xamarin</a:t>
+            </a:r>
+            <a:r>
+              <a:rPr lang="da-DK" sz="1400" dirty="0"/>
+              <a:t>.</a:t>
             </a:r>
           </a:p>
         </p:txBody>
@@ -7175,47 +7207,60 @@
           <a:lstStyle/>
           <a:p>
             <a:r>
+              <a:rPr lang="da-DK" sz="2400" dirty="0" err="1"/>
+              <a:t>Xamarin</a:t>
+            </a:r>
+            <a:r>
+              <a:rPr lang="da-DK" sz="2400" dirty="0"/>
+              <a:t> </a:t>
+            </a:r>
+            <a:r>
               <a:rPr lang="da-DK" sz="2400"/>
-              <a:t>Xamarin DependencyService</a:t>
-            </a:r>
-          </a:p>
-          <a:p>
-            <a:r>
-              <a:rPr lang="da-DK" sz="2400"/>
-              <a:t>DependencyService er en klasse der gør det muligt for den delte kode at bruge platform specifikke features.</a:t>
-            </a:r>
-          </a:p>
-          <a:p>
-            <a:r>
-              <a:rPr lang="da-DK" sz="2400"/>
+              <a:t>DependencyService</a:t>
+            </a:r>
+            <a:endParaRPr lang="da-DK" sz="2400" dirty="0"/>
+          </a:p>
+          <a:p>
+            <a:r>
+              <a:rPr lang="da-DK" sz="2400" dirty="0" err="1"/>
+              <a:t>DependencyService</a:t>
+            </a:r>
+            <a:r>
+              <a:rPr lang="da-DK" sz="2400" dirty="0"/>
+              <a:t> er en klasse der gør det muligt for den delte kode at bruge platform specifikke features.</a:t>
+            </a:r>
+          </a:p>
+          <a:p>
+            <a:r>
+              <a:rPr lang="da-DK" sz="2400" dirty="0"/>
               <a:t>Måde den bruges</a:t>
             </a:r>
           </a:p>
           <a:p>
             <a:pPr lvl="1"/>
             <a:r>
-              <a:rPr lang="da-DK" dirty="0"/>
-              <a:t> Lav et interface i det delte projekt.</a:t>
+              <a:rPr lang="da-DK" sz="2000" dirty="0"/>
+              <a:t>Lav et interface i det delte projekt.</a:t>
             </a:r>
           </a:p>
           <a:p>
             <a:pPr lvl="1"/>
             <a:r>
-              <a:rPr lang="da-DK" dirty="0"/>
+              <a:rPr lang="da-DK" sz="2000" dirty="0"/>
               <a:t>Implementer interfacet fra den delte kode i den ønskede platforms projekt.</a:t>
             </a:r>
           </a:p>
           <a:p>
             <a:pPr lvl="1"/>
             <a:r>
-              <a:rPr lang="da-DK" dirty="0"/>
+              <a:rPr lang="da-DK" sz="2000" dirty="0"/>
               <a:t>Registrer det i de andre projekter.</a:t>
             </a:r>
           </a:p>
           <a:p>
             <a:pPr lvl="1"/>
             <a:r>
-              <a:rPr lang="da-DK" dirty="0"/>
+              <a:rPr lang="da-DK" sz="2000" dirty="0"/>
               <a:t>DependencyService klassen kan nu bruges i det delte projekt.</a:t>
             </a:r>
           </a:p>

--- a/Presentations/8_Cross_Platform_Apps.pptx
+++ b/Presentations/8_Cross_Platform_Apps.pptx
@@ -3423,8 +3423,8 @@
         </p:nvSpPr>
         <p:spPr>
           <a:xfrm>
-            <a:off x="1524000" y="2245809"/>
-            <a:ext cx="9144000" cy="1564716"/>
+            <a:off x="1524000" y="2294238"/>
+            <a:ext cx="9144000" cy="1268661"/>
           </a:xfrm>
         </p:spPr>
         <p:txBody>
@@ -3435,7 +3435,7 @@
           <a:p>
             <a:pPr algn="l"/>
             <a:r>
-              <a:rPr lang="da-DK" sz="4800"/>
+              <a:rPr lang="da-DK" sz="4800" dirty="0"/>
               <a:t>Spørgsmål 8</a:t>
             </a:r>
           </a:p>
@@ -3459,51 +3459,51 @@
         </p:nvSpPr>
         <p:spPr>
           <a:xfrm>
-            <a:off x="1524000" y="3810526"/>
-            <a:ext cx="9144000" cy="709108"/>
+            <a:off x="1524000" y="3562899"/>
+            <a:ext cx="9144000" cy="956735"/>
           </a:xfrm>
         </p:spPr>
         <p:txBody>
           <a:bodyPr>
-            <a:normAutofit/>
+            <a:normAutofit fontScale="92500" lnSpcReduction="10000"/>
           </a:bodyPr>
           <a:lstStyle/>
           <a:p>
             <a:pPr algn="l"/>
             <a:r>
-              <a:rPr lang="da-DK" sz="1400" dirty="0"/>
+              <a:rPr lang="da-DK" sz="1800" dirty="0"/>
               <a:t>Giv et overblik over de forskellige muligheder for cross platform udvikling for Android og iOS enheder. Redegør for </a:t>
             </a:r>
             <a:r>
-              <a:rPr lang="da-DK" sz="1400" dirty="0" err="1"/>
+              <a:rPr lang="da-DK" sz="1800" dirty="0" err="1"/>
               <a:t>Xamarins</a:t>
             </a:r>
             <a:r>
-              <a:rPr lang="da-DK" sz="1400" dirty="0"/>
+              <a:rPr lang="da-DK" sz="1800" dirty="0"/>
               <a:t> arkitektur og virkemåde for de forskellige understøttede </a:t>
             </a:r>
             <a:r>
-              <a:rPr lang="da-DK" sz="1400" dirty="0" err="1"/>
+              <a:rPr lang="da-DK" sz="1800" dirty="0" err="1"/>
               <a:t>platforme.Samt</a:t>
             </a:r>
             <a:r>
-              <a:rPr lang="da-DK" sz="1400" dirty="0"/>
+              <a:rPr lang="da-DK" sz="1800" dirty="0"/>
               <a:t> redegør for både fordele og udfordringer ved brug af </a:t>
             </a:r>
             <a:r>
-              <a:rPr lang="da-DK" sz="1400" dirty="0" err="1"/>
+              <a:rPr lang="da-DK" sz="1800" dirty="0" err="1"/>
               <a:t>Xamarin</a:t>
             </a:r>
             <a:r>
-              <a:rPr lang="da-DK" sz="1400" dirty="0"/>
+              <a:rPr lang="da-DK" sz="1800" dirty="0"/>
               <a:t> til App udvikling. Vis et eksempel på brug af </a:t>
             </a:r>
             <a:r>
-              <a:rPr lang="da-DK" sz="1400" dirty="0" err="1"/>
+              <a:rPr lang="da-DK" sz="1800" dirty="0" err="1"/>
               <a:t>Xamarin</a:t>
             </a:r>
             <a:r>
-              <a:rPr lang="da-DK" sz="1400" dirty="0"/>
+              <a:rPr lang="da-DK" sz="1800" dirty="0"/>
               <a:t>.</a:t>
             </a:r>
           </a:p>
@@ -5995,26 +5995,140 @@
           <a:p>
             <a:pPr marL="285750" indent="-285750"/>
             <a:r>
-              <a:rPr lang="da-DK" sz="2400"/>
-              <a:t>Ulemper ved Xamarin.Forms er at UI kan være lidt problematisk, da UI komponenterne i brug kan fortolkes på forskellig vis i de individuelle operativsystemer.</a:t>
+              <a:rPr lang="da-DK" sz="2400" dirty="0" err="1"/>
+              <a:t>Xamarin.Forms</a:t>
+            </a:r>
+            <a:r>
+              <a:rPr lang="da-DK" sz="2400" dirty="0"/>
+              <a:t> </a:t>
+            </a:r>
+            <a:r>
+              <a:rPr lang="da-DK" sz="2400" dirty="0">
+                <a:sym typeface="Wingdings" panose="05000000000000000000" pitchFamily="2" charset="2"/>
+              </a:rPr>
+              <a:t> Ulemper kræver Licens, performance, -Support til grafik, stor app fil, </a:t>
+            </a:r>
+            <a:r>
+              <a:rPr lang="da-DK" sz="2400" dirty="0" err="1">
+                <a:sym typeface="Wingdings" panose="05000000000000000000" pitchFamily="2" charset="2"/>
+              </a:rPr>
+              <a:t>delay</a:t>
+            </a:r>
+            <a:r>
+              <a:rPr lang="da-DK" sz="2400" dirty="0">
+                <a:sym typeface="Wingdings" panose="05000000000000000000" pitchFamily="2" charset="2"/>
+              </a:rPr>
+              <a:t> på </a:t>
+            </a:r>
+            <a:r>
+              <a:rPr lang="da-DK" sz="2400" dirty="0" err="1">
+                <a:sym typeface="Wingdings" panose="05000000000000000000" pitchFamily="2" charset="2"/>
+              </a:rPr>
+              <a:t>updates</a:t>
+            </a:r>
+            <a:r>
+              <a:rPr lang="da-DK" sz="2400" dirty="0">
+                <a:sym typeface="Wingdings" panose="05000000000000000000" pitchFamily="2" charset="2"/>
+              </a:rPr>
+              <a:t> til android iOS, begrænset mængde open source </a:t>
+            </a:r>
+            <a:r>
+              <a:rPr lang="da-DK" sz="2400" dirty="0" err="1">
+                <a:sym typeface="Wingdings" panose="05000000000000000000" pitchFamily="2" charset="2"/>
+              </a:rPr>
+              <a:t>libs</a:t>
+            </a:r>
+            <a:r>
+              <a:rPr lang="da-DK" sz="2400" dirty="0">
+                <a:sym typeface="Wingdings" panose="05000000000000000000" pitchFamily="2" charset="2"/>
+              </a:rPr>
+              <a:t> – begrænset til .Nets pakker</a:t>
             </a:r>
           </a:p>
           <a:p>
             <a:pPr marL="285750" indent="-285750"/>
             <a:r>
-              <a:rPr lang="da-DK" sz="2400"/>
+              <a:rPr lang="da-DK" sz="2400" dirty="0" err="1"/>
+              <a:t>Xamarin.Forms</a:t>
+            </a:r>
+            <a:r>
+              <a:rPr lang="da-DK" sz="2400" dirty="0"/>
+              <a:t> </a:t>
+            </a:r>
+            <a:r>
+              <a:rPr lang="da-DK" sz="2400" dirty="0">
+                <a:sym typeface="Wingdings" panose="05000000000000000000" pitchFamily="2" charset="2"/>
+              </a:rPr>
+              <a:t> Fordele nemt med én </a:t>
+            </a:r>
+            <a:r>
+              <a:rPr lang="da-DK" sz="2400" dirty="0" err="1">
+                <a:sym typeface="Wingdings" panose="05000000000000000000" pitchFamily="2" charset="2"/>
+              </a:rPr>
+              <a:t>shared</a:t>
+            </a:r>
+            <a:r>
+              <a:rPr lang="da-DK" sz="2400" dirty="0">
+                <a:sym typeface="Wingdings" panose="05000000000000000000" pitchFamily="2" charset="2"/>
+              </a:rPr>
+              <a:t> UI + begrænset </a:t>
+            </a:r>
+            <a:r>
+              <a:rPr lang="da-DK" sz="2400" dirty="0" err="1">
+                <a:sym typeface="Wingdings" panose="05000000000000000000" pitchFamily="2" charset="2"/>
+              </a:rPr>
+              <a:t>native</a:t>
+            </a:r>
+            <a:r>
+              <a:rPr lang="da-DK" sz="2400" dirty="0">
+                <a:sym typeface="Wingdings" panose="05000000000000000000" pitchFamily="2" charset="2"/>
+              </a:rPr>
+              <a:t> </a:t>
+            </a:r>
+            <a:r>
+              <a:rPr lang="da-DK" sz="2400" dirty="0" err="1">
+                <a:sym typeface="Wingdings" panose="05000000000000000000" pitchFamily="2" charset="2"/>
+              </a:rPr>
+              <a:t>code</a:t>
+            </a:r>
+            <a:r>
+              <a:rPr lang="da-DK" sz="2400" dirty="0">
+                <a:sym typeface="Wingdings" panose="05000000000000000000" pitchFamily="2" charset="2"/>
+              </a:rPr>
+              <a:t>, kan kombineres frameworks (</a:t>
+            </a:r>
+            <a:r>
+              <a:rPr lang="da-DK" sz="2400" dirty="0" err="1">
+                <a:sym typeface="Wingdings" panose="05000000000000000000" pitchFamily="2" charset="2"/>
+              </a:rPr>
+              <a:t>Prism</a:t>
+            </a:r>
+            <a:r>
+              <a:rPr lang="da-DK" sz="2400" dirty="0">
+                <a:sym typeface="Wingdings" panose="05000000000000000000" pitchFamily="2" charset="2"/>
+              </a:rPr>
+              <a:t>), Forms hurtigt prototype / </a:t>
+            </a:r>
+            <a:r>
+              <a:rPr lang="da-DK" sz="2400" dirty="0" err="1">
+                <a:sym typeface="Wingdings" panose="05000000000000000000" pitchFamily="2" charset="2"/>
+              </a:rPr>
+              <a:t>PoC</a:t>
+            </a:r>
+            <a:r>
+              <a:rPr lang="da-DK" sz="2400" dirty="0">
+                <a:sym typeface="Wingdings" panose="05000000000000000000" pitchFamily="2" charset="2"/>
+              </a:rPr>
+              <a:t> arbejde.</a:t>
+            </a:r>
+            <a:endParaRPr lang="da-DK" sz="2400" dirty="0"/>
+          </a:p>
+          <a:p>
+            <a:pPr marL="285750" indent="-285750"/>
+            <a:r>
+              <a:rPr lang="da-DK" sz="2400" dirty="0"/>
               <a:t>Det er ikke muligt per standard at udvikle til IOS uden at have en Macintosh tilgængelig, da det kræves at pare med en Macintosh for at udvikle til IOS.</a:t>
             </a:r>
-          </a:p>
-          <a:p>
-            <a:pPr marL="285750" indent="-285750"/>
-            <a:r>
-              <a:rPr lang="da-DK" sz="2400"/>
-              <a:t>En fordel ved xamarin er at man kun skal kende til et programmering sprog</a:t>
-            </a:r>
-          </a:p>
-          <a:p>
-            <a:endParaRPr lang="da-DK" sz="2400"/>
           </a:p>
         </p:txBody>
       </p:sp>
@@ -6506,74 +6620,199 @@
           <a:lstStyle/>
           <a:p>
             <a:r>
-              <a:rPr lang="da-DK" sz="1400">
+              <a:rPr lang="da-DK" sz="1400" dirty="0" err="1">
                 <a:solidFill>
                   <a:srgbClr val="FFFFFF"/>
                 </a:solidFill>
               </a:rPr>
-              <a:t>Xamarin bygger på en MVC arkitektur </a:t>
-            </a:r>
-          </a:p>
-          <a:p>
-            <a:r>
-              <a:rPr lang="da-DK" sz="1400">
+              <a:t>Xamarin</a:t>
+            </a:r>
+            <a:r>
+              <a:rPr lang="da-DK" sz="1400" dirty="0">
                 <a:solidFill>
                   <a:srgbClr val="FFFFFF"/>
                 </a:solidFill>
               </a:rPr>
-              <a:t>Model og Controller er skrevet i .NET frameworked </a:t>
-            </a:r>
-          </a:p>
-          <a:p>
-            <a:r>
-              <a:rPr lang="da-DK" sz="1400">
+              <a:t> bygger på en MVC arkitektur </a:t>
+            </a:r>
+          </a:p>
+          <a:p>
+            <a:r>
+              <a:rPr lang="da-DK" sz="1400" dirty="0">
                 <a:solidFill>
                   <a:srgbClr val="FFFFFF"/>
                 </a:solidFill>
               </a:rPr>
-              <a:t>Viewet er skrevet specifikt for de individuelle paltforme.</a:t>
-            </a:r>
-          </a:p>
-          <a:p>
-            <a:pPr lvl="1"/>
-            <a:r>
-              <a:rPr lang="da-DK" sz="1400">
+              <a:t>Model og Controller er skrevet i .NET </a:t>
+            </a:r>
+            <a:r>
+              <a:rPr lang="da-DK" sz="1400" dirty="0" err="1">
                 <a:solidFill>
                   <a:srgbClr val="FFFFFF"/>
                 </a:solidFill>
               </a:rPr>
-              <a:t>De er skrevet i C# istedet for deres nativesprog. Så man ikke behøver at lære Java og Objective-C</a:t>
-            </a:r>
-          </a:p>
-          <a:p>
-            <a:pPr lvl="1"/>
-            <a:r>
-              <a:rPr lang="da-DK" sz="1400">
+              <a:t>frameworked</a:t>
+            </a:r>
+            <a:r>
+              <a:rPr lang="da-DK" sz="1400" dirty="0">
                 <a:solidFill>
                   <a:srgbClr val="FFFFFF"/>
                 </a:solidFill>
               </a:rPr>
-              <a:t>Dette er muligt ved brug af API’erd</a:t>
-            </a:r>
-          </a:p>
-          <a:p>
-            <a:r>
-              <a:rPr lang="da-DK" sz="1400">
+              <a:t> </a:t>
+            </a:r>
+          </a:p>
+          <a:p>
+            <a:r>
+              <a:rPr lang="da-DK" sz="1400" dirty="0">
                 <a:solidFill>
                   <a:srgbClr val="FFFFFF"/>
                 </a:solidFill>
               </a:rPr>
-              <a:t>Xamarin.Forms bygger på en MVVM arkitektur</a:t>
-            </a:r>
-          </a:p>
-          <a:p>
-            <a:r>
-              <a:rPr lang="da-DK" sz="1400">
+              <a:t>Viewet er skrevet specifikt for de individuelle </a:t>
+            </a:r>
+            <a:r>
+              <a:rPr lang="da-DK" sz="1400" dirty="0" err="1">
                 <a:solidFill>
                   <a:srgbClr val="FFFFFF"/>
                 </a:solidFill>
               </a:rPr>
-              <a:t>Alt er skevet i C# </a:t>
+              <a:t>paltforme</a:t>
+            </a:r>
+            <a:r>
+              <a:rPr lang="da-DK" sz="1400" dirty="0">
+                <a:solidFill>
+                  <a:srgbClr val="FFFFFF"/>
+                </a:solidFill>
+              </a:rPr>
+              <a:t>.</a:t>
+            </a:r>
+          </a:p>
+          <a:p>
+            <a:pPr lvl="1"/>
+            <a:r>
+              <a:rPr lang="da-DK" sz="1400" dirty="0">
+                <a:solidFill>
+                  <a:srgbClr val="FFFFFF"/>
+                </a:solidFill>
+              </a:rPr>
+              <a:t>De er skrevet i C# </a:t>
+            </a:r>
+            <a:r>
+              <a:rPr lang="da-DK" sz="1400" dirty="0" err="1">
+                <a:solidFill>
+                  <a:srgbClr val="FFFFFF"/>
+                </a:solidFill>
+              </a:rPr>
+              <a:t>istedet</a:t>
+            </a:r>
+            <a:r>
+              <a:rPr lang="da-DK" sz="1400" dirty="0">
+                <a:solidFill>
+                  <a:srgbClr val="FFFFFF"/>
+                </a:solidFill>
+              </a:rPr>
+              <a:t> for deres </a:t>
+            </a:r>
+            <a:r>
+              <a:rPr lang="da-DK" sz="1400" dirty="0" err="1">
+                <a:solidFill>
+                  <a:srgbClr val="FFFFFF"/>
+                </a:solidFill>
+              </a:rPr>
+              <a:t>nativesprog</a:t>
+            </a:r>
+            <a:r>
+              <a:rPr lang="da-DK" sz="1400" dirty="0">
+                <a:solidFill>
+                  <a:srgbClr val="FFFFFF"/>
+                </a:solidFill>
+              </a:rPr>
+              <a:t>. Så man ikke behøver at lære Java og </a:t>
+            </a:r>
+            <a:r>
+              <a:rPr lang="da-DK" sz="1400" dirty="0" err="1">
+                <a:solidFill>
+                  <a:srgbClr val="FFFFFF"/>
+                </a:solidFill>
+              </a:rPr>
+              <a:t>Objective</a:t>
+            </a:r>
+            <a:r>
+              <a:rPr lang="da-DK" sz="1400" dirty="0">
+                <a:solidFill>
+                  <a:srgbClr val="FFFFFF"/>
+                </a:solidFill>
+              </a:rPr>
+              <a:t>-C</a:t>
+            </a:r>
+          </a:p>
+          <a:p>
+            <a:pPr lvl="1"/>
+            <a:r>
+              <a:rPr lang="da-DK" sz="1400" dirty="0">
+                <a:solidFill>
+                  <a:srgbClr val="FFFFFF"/>
+                </a:solidFill>
+              </a:rPr>
+              <a:t>Dette er muligt ved brug af </a:t>
+            </a:r>
+            <a:r>
+              <a:rPr lang="da-DK" sz="1400" dirty="0" err="1">
+                <a:solidFill>
+                  <a:srgbClr val="FFFFFF"/>
+                </a:solidFill>
+              </a:rPr>
+              <a:t>API’er</a:t>
+            </a:r>
+            <a:endParaRPr lang="da-DK" sz="1400" dirty="0">
+              <a:solidFill>
+                <a:srgbClr val="FFFFFF"/>
+              </a:solidFill>
+            </a:endParaRPr>
+          </a:p>
+          <a:p>
+            <a:r>
+              <a:rPr lang="da-DK" sz="1400" dirty="0" err="1">
+                <a:solidFill>
+                  <a:srgbClr val="FFFFFF"/>
+                </a:solidFill>
+              </a:rPr>
+              <a:t>Xamarin.Forms</a:t>
+            </a:r>
+            <a:r>
+              <a:rPr lang="da-DK" sz="1400" dirty="0">
+                <a:solidFill>
+                  <a:srgbClr val="FFFFFF"/>
+                </a:solidFill>
+              </a:rPr>
+              <a:t> bygger på en MVVM arkitektur</a:t>
+            </a:r>
+          </a:p>
+          <a:p>
+            <a:r>
+              <a:rPr lang="da-DK" sz="1400" dirty="0">
+                <a:solidFill>
+                  <a:srgbClr val="FFFFFF"/>
+                </a:solidFill>
+              </a:rPr>
+              <a:t>Alt er </a:t>
+            </a:r>
+            <a:r>
+              <a:rPr lang="da-DK" sz="1400" dirty="0" err="1">
+                <a:solidFill>
+                  <a:srgbClr val="FFFFFF"/>
+                </a:solidFill>
+              </a:rPr>
+              <a:t>skevet</a:t>
+            </a:r>
+            <a:r>
+              <a:rPr lang="da-DK" sz="1400" dirty="0">
+                <a:solidFill>
+                  <a:srgbClr val="FFFFFF"/>
+                </a:solidFill>
+              </a:rPr>
+              <a:t> i C# </a:t>
             </a:r>
           </a:p>
         </p:txBody>
@@ -7215,7 +7454,7 @@
               <a:t> </a:t>
             </a:r>
             <a:r>
-              <a:rPr lang="da-DK" sz="2400"/>
+              <a:rPr lang="da-DK" sz="2400" dirty="0" err="1"/>
               <a:t>DependencyService</a:t>
             </a:r>
             <a:endParaRPr lang="da-DK" sz="2400" dirty="0"/>

--- a/Presentations/8_Cross_Platform_Apps.pptx
+++ b/Presentations/8_Cross_Platform_Apps.pptx
@@ -311,7 +311,7 @@
           <a:p>
             <a:fld id="{09EA6EF8-95E2-427D-AA46-061CB18E022C}" type="datetimeFigureOut">
               <a:rPr lang="da-DK" smtClean="0"/>
-              <a:t>17-08-2020</a:t>
+              <a:t>18-08-2020</a:t>
             </a:fld>
             <a:endParaRPr lang="da-DK"/>
           </a:p>
@@ -511,7 +511,7 @@
           <a:p>
             <a:fld id="{09EA6EF8-95E2-427D-AA46-061CB18E022C}" type="datetimeFigureOut">
               <a:rPr lang="da-DK" smtClean="0"/>
-              <a:t>17-08-2020</a:t>
+              <a:t>18-08-2020</a:t>
             </a:fld>
             <a:endParaRPr lang="da-DK"/>
           </a:p>
@@ -721,7 +721,7 @@
           <a:p>
             <a:fld id="{09EA6EF8-95E2-427D-AA46-061CB18E022C}" type="datetimeFigureOut">
               <a:rPr lang="da-DK" smtClean="0"/>
-              <a:t>17-08-2020</a:t>
+              <a:t>18-08-2020</a:t>
             </a:fld>
             <a:endParaRPr lang="da-DK"/>
           </a:p>
@@ -921,7 +921,7 @@
           <a:p>
             <a:fld id="{09EA6EF8-95E2-427D-AA46-061CB18E022C}" type="datetimeFigureOut">
               <a:rPr lang="da-DK" smtClean="0"/>
-              <a:t>17-08-2020</a:t>
+              <a:t>18-08-2020</a:t>
             </a:fld>
             <a:endParaRPr lang="da-DK"/>
           </a:p>
@@ -1197,7 +1197,7 @@
           <a:p>
             <a:fld id="{09EA6EF8-95E2-427D-AA46-061CB18E022C}" type="datetimeFigureOut">
               <a:rPr lang="da-DK" smtClean="0"/>
-              <a:t>17-08-2020</a:t>
+              <a:t>18-08-2020</a:t>
             </a:fld>
             <a:endParaRPr lang="da-DK"/>
           </a:p>
@@ -1465,7 +1465,7 @@
           <a:p>
             <a:fld id="{09EA6EF8-95E2-427D-AA46-061CB18E022C}" type="datetimeFigureOut">
               <a:rPr lang="da-DK" smtClean="0"/>
-              <a:t>17-08-2020</a:t>
+              <a:t>18-08-2020</a:t>
             </a:fld>
             <a:endParaRPr lang="da-DK"/>
           </a:p>
@@ -1880,7 +1880,7 @@
           <a:p>
             <a:fld id="{09EA6EF8-95E2-427D-AA46-061CB18E022C}" type="datetimeFigureOut">
               <a:rPr lang="da-DK" smtClean="0"/>
-              <a:t>17-08-2020</a:t>
+              <a:t>18-08-2020</a:t>
             </a:fld>
             <a:endParaRPr lang="da-DK"/>
           </a:p>
@@ -2022,7 +2022,7 @@
           <a:p>
             <a:fld id="{09EA6EF8-95E2-427D-AA46-061CB18E022C}" type="datetimeFigureOut">
               <a:rPr lang="da-DK" smtClean="0"/>
-              <a:t>17-08-2020</a:t>
+              <a:t>18-08-2020</a:t>
             </a:fld>
             <a:endParaRPr lang="da-DK"/>
           </a:p>
@@ -2135,7 +2135,7 @@
           <a:p>
             <a:fld id="{09EA6EF8-95E2-427D-AA46-061CB18E022C}" type="datetimeFigureOut">
               <a:rPr lang="da-DK" smtClean="0"/>
-              <a:t>17-08-2020</a:t>
+              <a:t>18-08-2020</a:t>
             </a:fld>
             <a:endParaRPr lang="da-DK"/>
           </a:p>
@@ -2448,7 +2448,7 @@
           <a:p>
             <a:fld id="{09EA6EF8-95E2-427D-AA46-061CB18E022C}" type="datetimeFigureOut">
               <a:rPr lang="da-DK" smtClean="0"/>
-              <a:t>17-08-2020</a:t>
+              <a:t>18-08-2020</a:t>
             </a:fld>
             <a:endParaRPr lang="da-DK"/>
           </a:p>
@@ -2737,7 +2737,7 @@
           <a:p>
             <a:fld id="{09EA6EF8-95E2-427D-AA46-061CB18E022C}" type="datetimeFigureOut">
               <a:rPr lang="da-DK" smtClean="0"/>
-              <a:t>17-08-2020</a:t>
+              <a:t>18-08-2020</a:t>
             </a:fld>
             <a:endParaRPr lang="da-DK"/>
           </a:p>
@@ -2980,7 +2980,7 @@
           <a:p>
             <a:fld id="{09EA6EF8-95E2-427D-AA46-061CB18E022C}" type="datetimeFigureOut">
               <a:rPr lang="da-DK" smtClean="0"/>
-              <a:t>17-08-2020</a:t>
+              <a:t>18-08-2020</a:t>
             </a:fld>
             <a:endParaRPr lang="da-DK"/>
           </a:p>
@@ -4126,6 +4126,264 @@
           </a:p>
         </p:txBody>
       </p:sp>
+      <p:sp>
+        <p:nvSpPr>
+          <p:cNvPr id="4" name="Tekstfelt 3">
+            <a:extLst>
+              <a:ext uri="{FF2B5EF4-FFF2-40B4-BE49-F238E27FC236}">
+                <a16:creationId xmlns:a16="http://schemas.microsoft.com/office/drawing/2014/main" id="{1C2CF6B3-FAE9-4A84-B8F8-561D09904112}"/>
+              </a:ext>
+            </a:extLst>
+          </p:cNvPr>
+          <p:cNvSpPr txBox="1"/>
+          <p:nvPr/>
+        </p:nvSpPr>
+        <p:spPr>
+          <a:xfrm>
+            <a:off x="8446397" y="634723"/>
+            <a:ext cx="1884106" cy="369332"/>
+          </a:xfrm>
+          <a:prstGeom prst="rect">
+            <a:avLst/>
+          </a:prstGeom>
+          <a:noFill/>
+        </p:spPr>
+        <p:txBody>
+          <a:bodyPr wrap="none" rtlCol="0">
+            <a:spAutoFit/>
+          </a:bodyPr>
+          <a:lstStyle>
+            <a:defPPr>
+              <a:defRPr lang="da-DK"/>
+            </a:defPPr>
+            <a:lvl1pPr marL="0" algn="l" defTabSz="914400" rtl="0" eaLnBrk="1" latinLnBrk="0" hangingPunct="1">
+              <a:defRPr sz="1800" kern="1200">
+                <a:solidFill>
+                  <a:schemeClr val="tx1"/>
+                </a:solidFill>
+                <a:latin typeface="+mn-lt"/>
+                <a:ea typeface="+mn-ea"/>
+                <a:cs typeface="+mn-cs"/>
+              </a:defRPr>
+            </a:lvl1pPr>
+            <a:lvl2pPr marL="457200" algn="l" defTabSz="914400" rtl="0" eaLnBrk="1" latinLnBrk="0" hangingPunct="1">
+              <a:defRPr sz="1800" kern="1200">
+                <a:solidFill>
+                  <a:schemeClr val="tx1"/>
+                </a:solidFill>
+                <a:latin typeface="+mn-lt"/>
+                <a:ea typeface="+mn-ea"/>
+                <a:cs typeface="+mn-cs"/>
+              </a:defRPr>
+            </a:lvl2pPr>
+            <a:lvl3pPr marL="914400" algn="l" defTabSz="914400" rtl="0" eaLnBrk="1" latinLnBrk="0" hangingPunct="1">
+              <a:defRPr sz="1800" kern="1200">
+                <a:solidFill>
+                  <a:schemeClr val="tx1"/>
+                </a:solidFill>
+                <a:latin typeface="+mn-lt"/>
+                <a:ea typeface="+mn-ea"/>
+                <a:cs typeface="+mn-cs"/>
+              </a:defRPr>
+            </a:lvl3pPr>
+            <a:lvl4pPr marL="1371600" algn="l" defTabSz="914400" rtl="0" eaLnBrk="1" latinLnBrk="0" hangingPunct="1">
+              <a:defRPr sz="1800" kern="1200">
+                <a:solidFill>
+                  <a:schemeClr val="tx1"/>
+                </a:solidFill>
+                <a:latin typeface="+mn-lt"/>
+                <a:ea typeface="+mn-ea"/>
+                <a:cs typeface="+mn-cs"/>
+              </a:defRPr>
+            </a:lvl4pPr>
+            <a:lvl5pPr marL="1828800" algn="l" defTabSz="914400" rtl="0" eaLnBrk="1" latinLnBrk="0" hangingPunct="1">
+              <a:defRPr sz="1800" kern="1200">
+                <a:solidFill>
+                  <a:schemeClr val="tx1"/>
+                </a:solidFill>
+                <a:latin typeface="+mn-lt"/>
+                <a:ea typeface="+mn-ea"/>
+                <a:cs typeface="+mn-cs"/>
+              </a:defRPr>
+            </a:lvl5pPr>
+            <a:lvl6pPr marL="2286000" algn="l" defTabSz="914400" rtl="0" eaLnBrk="1" latinLnBrk="0" hangingPunct="1">
+              <a:defRPr sz="1800" kern="1200">
+                <a:solidFill>
+                  <a:schemeClr val="tx1"/>
+                </a:solidFill>
+                <a:latin typeface="+mn-lt"/>
+                <a:ea typeface="+mn-ea"/>
+                <a:cs typeface="+mn-cs"/>
+              </a:defRPr>
+            </a:lvl6pPr>
+            <a:lvl7pPr marL="2743200" algn="l" defTabSz="914400" rtl="0" eaLnBrk="1" latinLnBrk="0" hangingPunct="1">
+              <a:defRPr sz="1800" kern="1200">
+                <a:solidFill>
+                  <a:schemeClr val="tx1"/>
+                </a:solidFill>
+                <a:latin typeface="+mn-lt"/>
+                <a:ea typeface="+mn-ea"/>
+                <a:cs typeface="+mn-cs"/>
+              </a:defRPr>
+            </a:lvl7pPr>
+            <a:lvl8pPr marL="3200400" algn="l" defTabSz="914400" rtl="0" eaLnBrk="1" latinLnBrk="0" hangingPunct="1">
+              <a:defRPr sz="1800" kern="1200">
+                <a:solidFill>
+                  <a:schemeClr val="tx1"/>
+                </a:solidFill>
+                <a:latin typeface="+mn-lt"/>
+                <a:ea typeface="+mn-ea"/>
+                <a:cs typeface="+mn-cs"/>
+              </a:defRPr>
+            </a:lvl8pPr>
+            <a:lvl9pPr marL="3657600" algn="l" defTabSz="914400" rtl="0" eaLnBrk="1" latinLnBrk="0" hangingPunct="1">
+              <a:defRPr sz="1800" kern="1200">
+                <a:solidFill>
+                  <a:schemeClr val="tx1"/>
+                </a:solidFill>
+                <a:latin typeface="+mn-lt"/>
+                <a:ea typeface="+mn-ea"/>
+                <a:cs typeface="+mn-cs"/>
+              </a:defRPr>
+            </a:lvl9pPr>
+          </a:lstStyle>
+          <a:p>
+            <a:r>
+              <a:rPr lang="da-DK" dirty="0"/>
+              <a:t>Andreas Blaabjerg</a:t>
+            </a:r>
+          </a:p>
+        </p:txBody>
+      </p:sp>
+      <p:sp>
+        <p:nvSpPr>
+          <p:cNvPr id="5" name="Tekstfelt 4">
+            <a:extLst>
+              <a:ext uri="{FF2B5EF4-FFF2-40B4-BE49-F238E27FC236}">
+                <a16:creationId xmlns:a16="http://schemas.microsoft.com/office/drawing/2014/main" id="{7893617C-3143-498C-940E-98D62AFD2B57}"/>
+              </a:ext>
+            </a:extLst>
+          </p:cNvPr>
+          <p:cNvSpPr txBox="1"/>
+          <p:nvPr/>
+        </p:nvSpPr>
+        <p:spPr>
+          <a:xfrm>
+            <a:off x="9388450" y="1032453"/>
+            <a:ext cx="1237839" cy="369332"/>
+          </a:xfrm>
+          <a:prstGeom prst="rect">
+            <a:avLst/>
+          </a:prstGeom>
+          <a:noFill/>
+        </p:spPr>
+        <p:txBody>
+          <a:bodyPr wrap="none" rtlCol="0">
+            <a:spAutoFit/>
+          </a:bodyPr>
+          <a:lstStyle>
+            <a:defPPr>
+              <a:defRPr lang="da-DK"/>
+            </a:defPPr>
+            <a:lvl1pPr marL="0" algn="l" defTabSz="914400" rtl="0" eaLnBrk="1" latinLnBrk="0" hangingPunct="1">
+              <a:defRPr sz="1800" kern="1200">
+                <a:solidFill>
+                  <a:schemeClr val="tx1"/>
+                </a:solidFill>
+                <a:latin typeface="+mn-lt"/>
+                <a:ea typeface="+mn-ea"/>
+                <a:cs typeface="+mn-cs"/>
+              </a:defRPr>
+            </a:lvl1pPr>
+            <a:lvl2pPr marL="457200" algn="l" defTabSz="914400" rtl="0" eaLnBrk="1" latinLnBrk="0" hangingPunct="1">
+              <a:defRPr sz="1800" kern="1200">
+                <a:solidFill>
+                  <a:schemeClr val="tx1"/>
+                </a:solidFill>
+                <a:latin typeface="+mn-lt"/>
+                <a:ea typeface="+mn-ea"/>
+                <a:cs typeface="+mn-cs"/>
+              </a:defRPr>
+            </a:lvl2pPr>
+            <a:lvl3pPr marL="914400" algn="l" defTabSz="914400" rtl="0" eaLnBrk="1" latinLnBrk="0" hangingPunct="1">
+              <a:defRPr sz="1800" kern="1200">
+                <a:solidFill>
+                  <a:schemeClr val="tx1"/>
+                </a:solidFill>
+                <a:latin typeface="+mn-lt"/>
+                <a:ea typeface="+mn-ea"/>
+                <a:cs typeface="+mn-cs"/>
+              </a:defRPr>
+            </a:lvl3pPr>
+            <a:lvl4pPr marL="1371600" algn="l" defTabSz="914400" rtl="0" eaLnBrk="1" latinLnBrk="0" hangingPunct="1">
+              <a:defRPr sz="1800" kern="1200">
+                <a:solidFill>
+                  <a:schemeClr val="tx1"/>
+                </a:solidFill>
+                <a:latin typeface="+mn-lt"/>
+                <a:ea typeface="+mn-ea"/>
+                <a:cs typeface="+mn-cs"/>
+              </a:defRPr>
+            </a:lvl4pPr>
+            <a:lvl5pPr marL="1828800" algn="l" defTabSz="914400" rtl="0" eaLnBrk="1" latinLnBrk="0" hangingPunct="1">
+              <a:defRPr sz="1800" kern="1200">
+                <a:solidFill>
+                  <a:schemeClr val="tx1"/>
+                </a:solidFill>
+                <a:latin typeface="+mn-lt"/>
+                <a:ea typeface="+mn-ea"/>
+                <a:cs typeface="+mn-cs"/>
+              </a:defRPr>
+            </a:lvl5pPr>
+            <a:lvl6pPr marL="2286000" algn="l" defTabSz="914400" rtl="0" eaLnBrk="1" latinLnBrk="0" hangingPunct="1">
+              <a:defRPr sz="1800" kern="1200">
+                <a:solidFill>
+                  <a:schemeClr val="tx1"/>
+                </a:solidFill>
+                <a:latin typeface="+mn-lt"/>
+                <a:ea typeface="+mn-ea"/>
+                <a:cs typeface="+mn-cs"/>
+              </a:defRPr>
+            </a:lvl6pPr>
+            <a:lvl7pPr marL="2743200" algn="l" defTabSz="914400" rtl="0" eaLnBrk="1" latinLnBrk="0" hangingPunct="1">
+              <a:defRPr sz="1800" kern="1200">
+                <a:solidFill>
+                  <a:schemeClr val="tx1"/>
+                </a:solidFill>
+                <a:latin typeface="+mn-lt"/>
+                <a:ea typeface="+mn-ea"/>
+                <a:cs typeface="+mn-cs"/>
+              </a:defRPr>
+            </a:lvl7pPr>
+            <a:lvl8pPr marL="3200400" algn="l" defTabSz="914400" rtl="0" eaLnBrk="1" latinLnBrk="0" hangingPunct="1">
+              <a:defRPr sz="1800" kern="1200">
+                <a:solidFill>
+                  <a:schemeClr val="tx1"/>
+                </a:solidFill>
+                <a:latin typeface="+mn-lt"/>
+                <a:ea typeface="+mn-ea"/>
+                <a:cs typeface="+mn-cs"/>
+              </a:defRPr>
+            </a:lvl8pPr>
+            <a:lvl9pPr marL="3657600" algn="l" defTabSz="914400" rtl="0" eaLnBrk="1" latinLnBrk="0" hangingPunct="1">
+              <a:defRPr sz="1800" kern="1200">
+                <a:solidFill>
+                  <a:schemeClr val="tx1"/>
+                </a:solidFill>
+                <a:latin typeface="+mn-lt"/>
+                <a:ea typeface="+mn-ea"/>
+                <a:cs typeface="+mn-cs"/>
+              </a:defRPr>
+            </a:lvl9pPr>
+          </a:lstStyle>
+          <a:p>
+            <a:r>
+              <a:rPr lang="da-DK" dirty="0"/>
+              <a:t>201510924</a:t>
+            </a:r>
+          </a:p>
+        </p:txBody>
+      </p:sp>
     </p:spTree>
     <p:extLst>
       <p:ext uri="{BB962C8B-B14F-4D97-AF65-F5344CB8AC3E}">

--- a/Presentations/8_Cross_Platform_Apps.pptx
+++ b/Presentations/8_Cross_Platform_Apps.pptx
@@ -311,7 +311,7 @@
           <a:p>
             <a:fld id="{09EA6EF8-95E2-427D-AA46-061CB18E022C}" type="datetimeFigureOut">
               <a:rPr lang="da-DK" smtClean="0"/>
-              <a:t>18-08-2020</a:t>
+              <a:t>19-08-2020</a:t>
             </a:fld>
             <a:endParaRPr lang="da-DK"/>
           </a:p>
@@ -511,7 +511,7 @@
           <a:p>
             <a:fld id="{09EA6EF8-95E2-427D-AA46-061CB18E022C}" type="datetimeFigureOut">
               <a:rPr lang="da-DK" smtClean="0"/>
-              <a:t>18-08-2020</a:t>
+              <a:t>19-08-2020</a:t>
             </a:fld>
             <a:endParaRPr lang="da-DK"/>
           </a:p>
@@ -721,7 +721,7 @@
           <a:p>
             <a:fld id="{09EA6EF8-95E2-427D-AA46-061CB18E022C}" type="datetimeFigureOut">
               <a:rPr lang="da-DK" smtClean="0"/>
-              <a:t>18-08-2020</a:t>
+              <a:t>19-08-2020</a:t>
             </a:fld>
             <a:endParaRPr lang="da-DK"/>
           </a:p>
@@ -921,7 +921,7 @@
           <a:p>
             <a:fld id="{09EA6EF8-95E2-427D-AA46-061CB18E022C}" type="datetimeFigureOut">
               <a:rPr lang="da-DK" smtClean="0"/>
-              <a:t>18-08-2020</a:t>
+              <a:t>19-08-2020</a:t>
             </a:fld>
             <a:endParaRPr lang="da-DK"/>
           </a:p>
@@ -1197,7 +1197,7 @@
           <a:p>
             <a:fld id="{09EA6EF8-95E2-427D-AA46-061CB18E022C}" type="datetimeFigureOut">
               <a:rPr lang="da-DK" smtClean="0"/>
-              <a:t>18-08-2020</a:t>
+              <a:t>19-08-2020</a:t>
             </a:fld>
             <a:endParaRPr lang="da-DK"/>
           </a:p>
@@ -1465,7 +1465,7 @@
           <a:p>
             <a:fld id="{09EA6EF8-95E2-427D-AA46-061CB18E022C}" type="datetimeFigureOut">
               <a:rPr lang="da-DK" smtClean="0"/>
-              <a:t>18-08-2020</a:t>
+              <a:t>19-08-2020</a:t>
             </a:fld>
             <a:endParaRPr lang="da-DK"/>
           </a:p>
@@ -1880,7 +1880,7 @@
           <a:p>
             <a:fld id="{09EA6EF8-95E2-427D-AA46-061CB18E022C}" type="datetimeFigureOut">
               <a:rPr lang="da-DK" smtClean="0"/>
-              <a:t>18-08-2020</a:t>
+              <a:t>19-08-2020</a:t>
             </a:fld>
             <a:endParaRPr lang="da-DK"/>
           </a:p>
@@ -2022,7 +2022,7 @@
           <a:p>
             <a:fld id="{09EA6EF8-95E2-427D-AA46-061CB18E022C}" type="datetimeFigureOut">
               <a:rPr lang="da-DK" smtClean="0"/>
-              <a:t>18-08-2020</a:t>
+              <a:t>19-08-2020</a:t>
             </a:fld>
             <a:endParaRPr lang="da-DK"/>
           </a:p>
@@ -2135,7 +2135,7 @@
           <a:p>
             <a:fld id="{09EA6EF8-95E2-427D-AA46-061CB18E022C}" type="datetimeFigureOut">
               <a:rPr lang="da-DK" smtClean="0"/>
-              <a:t>18-08-2020</a:t>
+              <a:t>19-08-2020</a:t>
             </a:fld>
             <a:endParaRPr lang="da-DK"/>
           </a:p>
@@ -2448,7 +2448,7 @@
           <a:p>
             <a:fld id="{09EA6EF8-95E2-427D-AA46-061CB18E022C}" type="datetimeFigureOut">
               <a:rPr lang="da-DK" smtClean="0"/>
-              <a:t>18-08-2020</a:t>
+              <a:t>19-08-2020</a:t>
             </a:fld>
             <a:endParaRPr lang="da-DK"/>
           </a:p>
@@ -2737,7 +2737,7 @@
           <a:p>
             <a:fld id="{09EA6EF8-95E2-427D-AA46-061CB18E022C}" type="datetimeFigureOut">
               <a:rPr lang="da-DK" smtClean="0"/>
-              <a:t>18-08-2020</a:t>
+              <a:t>19-08-2020</a:t>
             </a:fld>
             <a:endParaRPr lang="da-DK"/>
           </a:p>
@@ -2980,7 +2980,7 @@
           <a:p>
             <a:fld id="{09EA6EF8-95E2-427D-AA46-061CB18E022C}" type="datetimeFigureOut">
               <a:rPr lang="da-DK" smtClean="0"/>
-              <a:t>18-08-2020</a:t>
+              <a:t>19-08-2020</a:t>
             </a:fld>
             <a:endParaRPr lang="da-DK"/>
           </a:p>
